--- a/Share/每周命题游戏设计/葛美玲/没有圆形的世界.pptx
+++ b/Share/每周命题游戏设计/葛美玲/没有圆形的世界.pptx
@@ -4320,7 +4320,15 @@
             </a:r>
             <a:r>
               <a:rPr lang="zh-CN" altLang="en-US" sz="1800" dirty="0"/>
-              <a:t>只有下雨的时候可以使用</a:t>
+              <a:t>特殊道具：下雨的时候使用将提升为</a:t>
+            </a:r>
+            <a:r>
+              <a:rPr lang="en-US" altLang="zh-CN" sz="1800" dirty="0"/>
+              <a:t>B</a:t>
+            </a:r>
+            <a:r>
+              <a:rPr lang="zh-CN" altLang="en-US" sz="1800" dirty="0"/>
+              <a:t>级</a:t>
             </a:r>
             <a:r>
               <a:rPr lang="en-US" altLang="zh-CN" sz="1800" dirty="0"/>
@@ -4589,13 +4597,13 @@
           <p:nvPr>
             <p:extLst>
               <p:ext uri="{D42A27DB-BD31-4B8C-83A1-F6EECF244321}">
-                <p14:modId xmlns:p14="http://schemas.microsoft.com/office/powerpoint/2010/main" val="3715360767"/>
+                <p14:modId xmlns:p14="http://schemas.microsoft.com/office/powerpoint/2010/main" val="2627687248"/>
               </p:ext>
             </p:extLst>
           </p:nvPr>
         </p:nvGraphicFramePr>
         <p:xfrm>
-          <a:off x="1098747" y="2459855"/>
+          <a:off x="1786904" y="3355402"/>
           <a:ext cx="8128000" cy="2468880"/>
         </p:xfrm>
         <a:graphic>
@@ -5436,6 +5444,14 @@
             <a:endParaRPr lang="en-US" altLang="zh-CN" sz="1800" dirty="0"/>
           </a:p>
           <a:p>
+            <a:r>
+              <a:rPr lang="zh-CN" altLang="en-US" sz="1800" dirty="0"/>
+              <a:t>天气系统：随机生成每日天气（晴天比例最大，雨天，阴天，雨雪逐渐</a:t>
+            </a:r>
+            <a:r>
+              <a:rPr lang="zh-CN" altLang="en-US" sz="1800"/>
+              <a:t>减少），某些道具在不同天气，等级会有所变化。</a:t>
+            </a:r>
             <a:endParaRPr lang="zh-CN" altLang="en-US" sz="1800" dirty="0"/>
           </a:p>
         </p:txBody>
